--- a/Road accidents in Belgium.pptx
+++ b/Road accidents in Belgium.pptx
@@ -123,6 +123,11 @@
       </a:defRPr>
     </a:lvl9pPr>
   </p:defaultTextStyle>
+  <p:extLst>
+    <p:ext uri="{EFAFB233-063F-42B5-8137-9DF3F51BA10A}">
+      <p15:sldGuideLst xmlns:p15="http://schemas.microsoft.com/office/powerpoint/2012/main"/>
+    </p:ext>
+  </p:extLst>
 </p:presentation>
 </file>
 
@@ -309,7 +314,7 @@
           <a:p>
             <a:fld id="{4AAD347D-5ACD-4C99-B74B-A9C85AD731AF}" type="datetimeFigureOut">
               <a:rPr lang="en-US" dirty="0"/>
-              <a:t>27/10/20</a:t>
+              <a:t>10/27/2020</a:t>
             </a:fld>
             <a:endParaRPr lang="en-US" dirty="0"/>
           </a:p>
@@ -579,7 +584,7 @@
           <a:p>
             <a:fld id="{4509A250-FF31-4206-8172-F9D3106AACB1}" type="datetimeFigureOut">
               <a:rPr lang="en-US" dirty="0"/>
-              <a:t>27/10/20</a:t>
+              <a:t>10/27/2020</a:t>
             </a:fld>
             <a:endParaRPr lang="en-US" dirty="0"/>
           </a:p>
@@ -768,7 +773,7 @@
           <a:p>
             <a:fld id="{4509A250-FF31-4206-8172-F9D3106AACB1}" type="datetimeFigureOut">
               <a:rPr lang="en-US" dirty="0"/>
-              <a:t>27/10/20</a:t>
+              <a:t>10/27/2020</a:t>
             </a:fld>
             <a:endParaRPr lang="en-US" dirty="0"/>
           </a:p>
@@ -1031,7 +1036,7 @@
           <a:p>
             <a:fld id="{4509A250-FF31-4206-8172-F9D3106AACB1}" type="datetimeFigureOut">
               <a:rPr lang="en-US" dirty="0"/>
-              <a:t>27/10/20</a:t>
+              <a:t>10/27/2020</a:t>
             </a:fld>
             <a:endParaRPr lang="en-US" dirty="0"/>
           </a:p>
@@ -1358,7 +1363,7 @@
           <a:p>
             <a:fld id="{4509A250-FF31-4206-8172-F9D3106AACB1}" type="datetimeFigureOut">
               <a:rPr lang="en-US" dirty="0"/>
-              <a:t>27/10/20</a:t>
+              <a:t>10/27/2020</a:t>
             </a:fld>
             <a:endParaRPr lang="en-US" dirty="0"/>
           </a:p>
@@ -1963,7 +1968,7 @@
           <a:p>
             <a:fld id="{4509A250-FF31-4206-8172-F9D3106AACB1}" type="datetimeFigureOut">
               <a:rPr lang="en-US" dirty="0"/>
-              <a:t>27/10/20</a:t>
+              <a:t>10/27/2020</a:t>
             </a:fld>
             <a:endParaRPr lang="en-US" dirty="0"/>
           </a:p>
@@ -2805,7 +2810,7 @@
           <a:p>
             <a:fld id="{4509A250-FF31-4206-8172-F9D3106AACB1}" type="datetimeFigureOut">
               <a:rPr lang="en-US" dirty="0"/>
-              <a:t>27/10/20</a:t>
+              <a:t>10/27/2020</a:t>
             </a:fld>
             <a:endParaRPr lang="en-US" dirty="0"/>
           </a:p>
@@ -2970,7 +2975,7 @@
           <a:p>
             <a:fld id="{4509A250-FF31-4206-8172-F9D3106AACB1}" type="datetimeFigureOut">
               <a:rPr lang="en-US" dirty="0"/>
-              <a:t>27/10/20</a:t>
+              <a:t>10/27/2020</a:t>
             </a:fld>
             <a:endParaRPr lang="en-US" dirty="0"/>
           </a:p>
@@ -3145,7 +3150,7 @@
           <a:p>
             <a:fld id="{4509A250-FF31-4206-8172-F9D3106AACB1}" type="datetimeFigureOut">
               <a:rPr lang="en-US" dirty="0"/>
-              <a:t>27/10/20</a:t>
+              <a:t>10/27/2020</a:t>
             </a:fld>
             <a:endParaRPr lang="en-US" dirty="0"/>
           </a:p>
@@ -3310,7 +3315,7 @@
           <a:p>
             <a:fld id="{4509A250-FF31-4206-8172-F9D3106AACB1}" type="datetimeFigureOut">
               <a:rPr lang="en-US" dirty="0"/>
-              <a:t>27/10/20</a:t>
+              <a:t>10/27/2020</a:t>
             </a:fld>
             <a:endParaRPr lang="en-US" dirty="0"/>
           </a:p>
@@ -3549,7 +3554,7 @@
           <a:p>
             <a:fld id="{4509A250-FF31-4206-8172-F9D3106AACB1}" type="datetimeFigureOut">
               <a:rPr lang="en-US" dirty="0"/>
-              <a:t>27/10/20</a:t>
+              <a:t>10/27/2020</a:t>
             </a:fld>
             <a:endParaRPr lang="en-US" dirty="0"/>
           </a:p>
@@ -3836,7 +3841,7 @@
           <a:p>
             <a:fld id="{4509A250-FF31-4206-8172-F9D3106AACB1}" type="datetimeFigureOut">
               <a:rPr lang="en-US" dirty="0"/>
-              <a:t>27/10/20</a:t>
+              <a:t>10/27/2020</a:t>
             </a:fld>
             <a:endParaRPr lang="en-US" dirty="0"/>
           </a:p>
@@ -4269,7 +4274,7 @@
           <a:p>
             <a:fld id="{4509A250-FF31-4206-8172-F9D3106AACB1}" type="datetimeFigureOut">
               <a:rPr lang="en-US" dirty="0"/>
-              <a:t>27/10/20</a:t>
+              <a:t>10/27/2020</a:t>
             </a:fld>
             <a:endParaRPr lang="en-US" dirty="0"/>
           </a:p>
@@ -4382,7 +4387,7 @@
           <a:p>
             <a:fld id="{4509A250-FF31-4206-8172-F9D3106AACB1}" type="datetimeFigureOut">
               <a:rPr lang="en-US" dirty="0"/>
-              <a:t>27/10/20</a:t>
+              <a:t>10/27/2020</a:t>
             </a:fld>
             <a:endParaRPr lang="en-US" dirty="0"/>
           </a:p>
@@ -4472,7 +4477,7 @@
           <a:p>
             <a:fld id="{4509A250-FF31-4206-8172-F9D3106AACB1}" type="datetimeFigureOut">
               <a:rPr lang="en-US" dirty="0"/>
-              <a:t>27/10/20</a:t>
+              <a:t>10/27/2020</a:t>
             </a:fld>
             <a:endParaRPr lang="en-US" dirty="0"/>
           </a:p>
@@ -4746,7 +4751,7 @@
           <a:p>
             <a:fld id="{4509A250-FF31-4206-8172-F9D3106AACB1}" type="datetimeFigureOut">
               <a:rPr lang="en-US" dirty="0"/>
-              <a:t>27/10/20</a:t>
+              <a:t>10/27/2020</a:t>
             </a:fld>
             <a:endParaRPr lang="en-US" dirty="0"/>
           </a:p>
@@ -5016,7 +5021,7 @@
           <a:p>
             <a:fld id="{4509A250-FF31-4206-8172-F9D3106AACB1}" type="datetimeFigureOut">
               <a:rPr lang="en-US" dirty="0"/>
-              <a:t>27/10/20</a:t>
+              <a:t>10/27/2020</a:t>
             </a:fld>
             <a:endParaRPr lang="en-US" dirty="0"/>
           </a:p>
@@ -5440,7 +5445,7 @@
           <a:p>
             <a:fld id="{4509A250-FF31-4206-8172-F9D3106AACB1}" type="datetimeFigureOut">
               <a:rPr lang="en-US" dirty="0"/>
-              <a:t>27/10/20</a:t>
+              <a:t>10/27/2020</a:t>
             </a:fld>
             <a:endParaRPr lang="en-US" dirty="0"/>
           </a:p>
@@ -7173,7 +7178,7 @@
             </a:r>
             <a:r>
               <a:rPr lang="fr-BE" dirty="0" err="1"/>
-              <a:t>be</a:t>
+              <a:t>still</a:t>
             </a:r>
             <a:r>
               <a:rPr lang="fr-BE" dirty="0"/>
@@ -7181,7 +7186,7 @@
             </a:r>
             <a:r>
               <a:rPr lang="fr-BE" dirty="0" err="1"/>
-              <a:t>improved</a:t>
+              <a:t>be</a:t>
             </a:r>
             <a:r>
               <a:rPr lang="fr-BE" dirty="0"/>
@@ -7189,7 +7194,7 @@
             </a:r>
             <a:r>
               <a:rPr lang="fr-BE" dirty="0" err="1"/>
-              <a:t>again</a:t>
+              <a:t>improved</a:t>
             </a:r>
             <a:endParaRPr lang="fr-BE" dirty="0"/>
           </a:p>
